--- a/Inference/Kernel/01.introduction.pptx
+++ b/Inference/Kernel/01.introduction.pptx
@@ -558,7 +558,7 @@
             <a:fld id="{C45443A1-D8F2-48CD-A659-3CEDBA8DF541}" type="datetimeFigureOut">
               <a:rPr lang="zh-CN" altLang="en-US" smtClean="0"/>
               <a:pPr/>
-              <a:t>2023/2/11</a:t>
+              <a:t>2023/2/27</a:t>
             </a:fld>
             <a:endParaRPr lang="zh-CN" altLang="en-US"/>
           </a:p>
